--- a/ПРОЕКТ/Сам Себе Кадровик - считаем стаж.pptx
+++ b/ПРОЕКТ/Сам Себе Кадровик - считаем стаж.pptx
@@ -497,7 +497,8 @@
           <a:p>
             <a:fld id="{8F233827-4D33-44CC-954B-EE263D7F21E5}" type="datetimeFigureOut">
               <a:rPr lang="ru-RU" smtClean="0"/>
-              <a:t>22.01.2018</a:t>
+              <a:pPr/>
+              <a:t>23.01.2018</a:t>
             </a:fld>
             <a:endParaRPr lang="ru-RU"/>
           </a:p>
@@ -539,6 +540,7 @@
           <a:p>
             <a:fld id="{84AD9E2B-8A17-4082-AF86-936C9F9623EF}" type="slidenum">
               <a:rPr lang="ru-RU" smtClean="0"/>
+              <a:pPr/>
               <a:t>‹#›</a:t>
             </a:fld>
             <a:endParaRPr lang="ru-RU"/>
@@ -662,7 +664,8 @@
           <a:p>
             <a:fld id="{8F233827-4D33-44CC-954B-EE263D7F21E5}" type="datetimeFigureOut">
               <a:rPr lang="ru-RU" smtClean="0"/>
-              <a:t>22.01.2018</a:t>
+              <a:pPr/>
+              <a:t>23.01.2018</a:t>
             </a:fld>
             <a:endParaRPr lang="ru-RU"/>
           </a:p>
@@ -704,6 +707,7 @@
           <a:p>
             <a:fld id="{84AD9E2B-8A17-4082-AF86-936C9F9623EF}" type="slidenum">
               <a:rPr lang="ru-RU" smtClean="0"/>
+              <a:pPr/>
               <a:t>‹#›</a:t>
             </a:fld>
             <a:endParaRPr lang="ru-RU"/>
@@ -837,7 +841,8 @@
           <a:p>
             <a:fld id="{8F233827-4D33-44CC-954B-EE263D7F21E5}" type="datetimeFigureOut">
               <a:rPr lang="ru-RU" smtClean="0"/>
-              <a:t>22.01.2018</a:t>
+              <a:pPr/>
+              <a:t>23.01.2018</a:t>
             </a:fld>
             <a:endParaRPr lang="ru-RU"/>
           </a:p>
@@ -879,6 +884,7 @@
           <a:p>
             <a:fld id="{84AD9E2B-8A17-4082-AF86-936C9F9623EF}" type="slidenum">
               <a:rPr lang="ru-RU" smtClean="0"/>
+              <a:pPr/>
               <a:t>‹#›</a:t>
             </a:fld>
             <a:endParaRPr lang="ru-RU"/>
@@ -1006,7 +1012,8 @@
           <a:p>
             <a:fld id="{8F233827-4D33-44CC-954B-EE263D7F21E5}" type="datetimeFigureOut">
               <a:rPr lang="ru-RU" smtClean="0"/>
-              <a:t>22.01.2018</a:t>
+              <a:pPr/>
+              <a:t>23.01.2018</a:t>
             </a:fld>
             <a:endParaRPr lang="ru-RU"/>
           </a:p>
@@ -1048,6 +1055,7 @@
           <a:p>
             <a:fld id="{84AD9E2B-8A17-4082-AF86-936C9F9623EF}" type="slidenum">
               <a:rPr lang="ru-RU" smtClean="0"/>
+              <a:pPr/>
               <a:t>‹#›</a:t>
             </a:fld>
             <a:endParaRPr lang="ru-RU"/>
@@ -1461,7 +1469,8 @@
           <a:p>
             <a:fld id="{8F233827-4D33-44CC-954B-EE263D7F21E5}" type="datetimeFigureOut">
               <a:rPr lang="ru-RU" smtClean="0"/>
-              <a:t>22.01.2018</a:t>
+              <a:pPr/>
+              <a:t>23.01.2018</a:t>
             </a:fld>
             <a:endParaRPr lang="ru-RU"/>
           </a:p>
@@ -1503,6 +1512,7 @@
           <a:p>
             <a:fld id="{84AD9E2B-8A17-4082-AF86-936C9F9623EF}" type="slidenum">
               <a:rPr lang="ru-RU" smtClean="0"/>
+              <a:pPr/>
               <a:t>‹#›</a:t>
             </a:fld>
             <a:endParaRPr lang="ru-RU"/>
@@ -1725,7 +1735,8 @@
           <a:p>
             <a:fld id="{8F233827-4D33-44CC-954B-EE263D7F21E5}" type="datetimeFigureOut">
               <a:rPr lang="ru-RU" smtClean="0"/>
-              <a:t>22.01.2018</a:t>
+              <a:pPr/>
+              <a:t>23.01.2018</a:t>
             </a:fld>
             <a:endParaRPr lang="ru-RU"/>
           </a:p>
@@ -1767,6 +1778,7 @@
           <a:p>
             <a:fld id="{84AD9E2B-8A17-4082-AF86-936C9F9623EF}" type="slidenum">
               <a:rPr lang="ru-RU" smtClean="0"/>
+              <a:pPr/>
               <a:t>‹#›</a:t>
             </a:fld>
             <a:endParaRPr lang="ru-RU"/>
@@ -2099,7 +2111,8 @@
           <a:p>
             <a:fld id="{8F233827-4D33-44CC-954B-EE263D7F21E5}" type="datetimeFigureOut">
               <a:rPr lang="ru-RU" smtClean="0"/>
-              <a:t>22.01.2018</a:t>
+              <a:pPr/>
+              <a:t>23.01.2018</a:t>
             </a:fld>
             <a:endParaRPr lang="ru-RU"/>
           </a:p>
@@ -2141,6 +2154,7 @@
           <a:p>
             <a:fld id="{84AD9E2B-8A17-4082-AF86-936C9F9623EF}" type="slidenum">
               <a:rPr lang="ru-RU" smtClean="0"/>
+              <a:pPr/>
               <a:t>‹#›</a:t>
             </a:fld>
             <a:endParaRPr lang="ru-RU"/>
@@ -2221,7 +2235,8 @@
           <a:p>
             <a:fld id="{8F233827-4D33-44CC-954B-EE263D7F21E5}" type="datetimeFigureOut">
               <a:rPr lang="ru-RU" smtClean="0"/>
-              <a:t>22.01.2018</a:t>
+              <a:pPr/>
+              <a:t>23.01.2018</a:t>
             </a:fld>
             <a:endParaRPr lang="ru-RU"/>
           </a:p>
@@ -2244,6 +2259,7 @@
           <a:p>
             <a:fld id="{84AD9E2B-8A17-4082-AF86-936C9F9623EF}" type="slidenum">
               <a:rPr lang="ru-RU" smtClean="0"/>
+              <a:pPr/>
               <a:t>‹#›</a:t>
             </a:fld>
             <a:endParaRPr lang="ru-RU"/>
@@ -2311,7 +2327,8 @@
           <a:p>
             <a:fld id="{8F233827-4D33-44CC-954B-EE263D7F21E5}" type="datetimeFigureOut">
               <a:rPr lang="ru-RU" smtClean="0"/>
-              <a:t>22.01.2018</a:t>
+              <a:pPr/>
+              <a:t>23.01.2018</a:t>
             </a:fld>
             <a:endParaRPr lang="ru-RU"/>
           </a:p>
@@ -2353,6 +2370,7 @@
           <a:p>
             <a:fld id="{84AD9E2B-8A17-4082-AF86-936C9F9623EF}" type="slidenum">
               <a:rPr lang="ru-RU" smtClean="0"/>
+              <a:pPr/>
               <a:t>‹#›</a:t>
             </a:fld>
             <a:endParaRPr lang="ru-RU"/>
@@ -2560,7 +2578,8 @@
           <a:p>
             <a:fld id="{8F233827-4D33-44CC-954B-EE263D7F21E5}" type="datetimeFigureOut">
               <a:rPr lang="ru-RU" smtClean="0"/>
-              <a:t>22.01.2018</a:t>
+              <a:pPr/>
+              <a:t>23.01.2018</a:t>
             </a:fld>
             <a:endParaRPr lang="ru-RU"/>
           </a:p>
@@ -2607,6 +2626,7 @@
           <a:p>
             <a:fld id="{84AD9E2B-8A17-4082-AF86-936C9F9623EF}" type="slidenum">
               <a:rPr lang="ru-RU" smtClean="0"/>
+              <a:pPr/>
               <a:t>‹#›</a:t>
             </a:fld>
             <a:endParaRPr lang="ru-RU"/>
@@ -2819,7 +2839,8 @@
           <a:p>
             <a:fld id="{8F233827-4D33-44CC-954B-EE263D7F21E5}" type="datetimeFigureOut">
               <a:rPr lang="ru-RU" smtClean="0"/>
-              <a:t>22.01.2018</a:t>
+              <a:pPr/>
+              <a:t>23.01.2018</a:t>
             </a:fld>
             <a:endParaRPr lang="ru-RU"/>
           </a:p>
@@ -2861,6 +2882,7 @@
           <a:p>
             <a:fld id="{84AD9E2B-8A17-4082-AF86-936C9F9623EF}" type="slidenum">
               <a:rPr lang="ru-RU" smtClean="0"/>
+              <a:pPr/>
               <a:t>‹#›</a:t>
             </a:fld>
             <a:endParaRPr lang="ru-RU"/>
@@ -3223,7 +3245,8 @@
           <a:p>
             <a:fld id="{8F233827-4D33-44CC-954B-EE263D7F21E5}" type="datetimeFigureOut">
               <a:rPr lang="ru-RU" smtClean="0"/>
-              <a:t>22.01.2018</a:t>
+              <a:pPr/>
+              <a:t>23.01.2018</a:t>
             </a:fld>
             <a:endParaRPr lang="ru-RU"/>
           </a:p>
@@ -3301,6 +3324,7 @@
           <a:p>
             <a:fld id="{84AD9E2B-8A17-4082-AF86-936C9F9623EF}" type="slidenum">
               <a:rPr lang="ru-RU" smtClean="0"/>
+              <a:pPr/>
               <a:t>‹#›</a:t>
             </a:fld>
             <a:endParaRPr lang="ru-RU"/>
@@ -4141,13 +4165,8 @@
             <a:pPr algn="just"/>
             <a:r>
               <a:rPr lang="ru-RU" sz="2000" dirty="0" smtClean="0"/>
-              <a:t>Автоматизировать процесс подсчета страхового стажа (лет, месяцев) работников предприятия для расчета </a:t>
-            </a:r>
-            <a:r>
-              <a:rPr lang="ru-RU" sz="2000" dirty="0" smtClean="0"/>
-              <a:t>объем пособия по листу нетрудоспособности:</a:t>
-            </a:r>
-            <a:endParaRPr lang="ru-RU" sz="2000" dirty="0" smtClean="0"/>
+              <a:t>Автоматизировать процесс подсчета страхового стажа (лет, месяцев) работников предприятия для расчета объем пособия по листу нетрудоспособности:</a:t>
+            </a:r>
           </a:p>
         </p:txBody>
       </p:sp>
@@ -7356,16 +7375,47 @@
       </p:cxnSp>
       <p:sp>
         <p:nvSpPr>
-          <p:cNvPr id="117" name="Стрелка углом 116"/>
+          <p:cNvPr id="118" name="TextBox 117"/>
+          <p:cNvSpPr txBox="1"/>
+          <p:nvPr/>
+        </p:nvSpPr>
+        <p:spPr>
+          <a:xfrm>
+            <a:off x="5000628" y="1428736"/>
+            <a:ext cx="2000264" cy="369332"/>
+          </a:xfrm>
+          <a:prstGeom prst="rect">
+            <a:avLst/>
+          </a:prstGeom>
+          <a:noFill/>
+        </p:spPr>
+        <p:txBody>
+          <a:bodyPr wrap="square" rtlCol="0">
+            <a:spAutoFit/>
+          </a:bodyPr>
+          <a:lstStyle/>
+          <a:p>
+            <a:pPr algn="ctr"/>
+            <a:r>
+              <a:rPr lang="en-US" dirty="0" smtClean="0"/>
+              <a:t>Activity 2</a:t>
+            </a:r>
+            <a:endParaRPr lang="ru-RU" dirty="0"/>
+          </a:p>
+        </p:txBody>
+      </p:sp>
+      <p:sp>
+        <p:nvSpPr>
+          <p:cNvPr id="21" name="Стрелка вправо 20"/>
           <p:cNvSpPr/>
           <p:nvPr/>
         </p:nvSpPr>
         <p:spPr>
           <a:xfrm>
-            <a:off x="8001024" y="3643314"/>
-            <a:ext cx="357190" cy="428628"/>
-          </a:xfrm>
-          <a:prstGeom prst="bentArrow">
+            <a:off x="8715404" y="4214818"/>
+            <a:ext cx="214314" cy="785818"/>
+          </a:xfrm>
+          <a:prstGeom prst="rightArrow">
             <a:avLst/>
           </a:prstGeom>
         </p:spPr>
@@ -7390,73 +7440,7 @@
           <a:lstStyle/>
           <a:p>
             <a:pPr algn="ctr"/>
-            <a:endParaRPr lang="ru-RU">
-              <a:solidFill>
-                <a:schemeClr val="tx1"/>
-              </a:solidFill>
-            </a:endParaRPr>
-          </a:p>
-        </p:txBody>
-      </p:sp>
-      <p:sp>
-        <p:nvSpPr>
-          <p:cNvPr id="118" name="TextBox 117"/>
-          <p:cNvSpPr txBox="1"/>
-          <p:nvPr/>
-        </p:nvSpPr>
-        <p:spPr>
-          <a:xfrm>
-            <a:off x="5000628" y="1428736"/>
-            <a:ext cx="2000264" cy="369332"/>
-          </a:xfrm>
-          <a:prstGeom prst="rect">
-            <a:avLst/>
-          </a:prstGeom>
-          <a:noFill/>
-        </p:spPr>
-        <p:txBody>
-          <a:bodyPr wrap="square" rtlCol="0">
-            <a:spAutoFit/>
-          </a:bodyPr>
-          <a:lstStyle/>
-          <a:p>
-            <a:pPr algn="ctr"/>
-            <a:r>
-              <a:rPr lang="en-US" dirty="0" smtClean="0"/>
-              <a:t>Activity 2</a:t>
-            </a:r>
-            <a:endParaRPr lang="ru-RU" dirty="0"/>
-          </a:p>
-        </p:txBody>
-      </p:sp>
-      <p:sp>
-        <p:nvSpPr>
-          <p:cNvPr id="121" name="TextBox 120"/>
-          <p:cNvSpPr txBox="1"/>
-          <p:nvPr/>
-        </p:nvSpPr>
-        <p:spPr>
-          <a:xfrm>
-            <a:off x="7858148" y="3286125"/>
-            <a:ext cx="928694" cy="307777"/>
-          </a:xfrm>
-          <a:prstGeom prst="rect">
-            <a:avLst/>
-          </a:prstGeom>
-          <a:noFill/>
-        </p:spPr>
-        <p:txBody>
-          <a:bodyPr wrap="square" rtlCol="0">
-            <a:spAutoFit/>
-          </a:bodyPr>
-          <a:lstStyle/>
-          <a:p>
-            <a:pPr algn="ctr"/>
-            <a:r>
-              <a:rPr lang="ru-RU" sz="1400" dirty="0" smtClean="0"/>
-              <a:t>далее</a:t>
-            </a:r>
-            <a:endParaRPr lang="ru-RU" sz="1400" dirty="0"/>
+            <a:endParaRPr lang="ru-RU"/>
           </a:p>
         </p:txBody>
       </p:sp>

--- a/ПРОЕКТ/Сам Себе Кадровик - считаем стаж.pptx
+++ b/ПРОЕКТ/Сам Себе Кадровик - считаем стаж.pptx
@@ -12,6 +12,10 @@
     <p:sldId id="260" r:id="rId6"/>
     <p:sldId id="261" r:id="rId7"/>
     <p:sldId id="262" r:id="rId8"/>
+    <p:sldId id="263" r:id="rId9"/>
+    <p:sldId id="264" r:id="rId10"/>
+    <p:sldId id="265" r:id="rId11"/>
+    <p:sldId id="266" r:id="rId12"/>
   </p:sldIdLst>
   <p:sldSz cx="9144000" cy="6858000" type="screen4x3"/>
   <p:notesSz cx="6858000" cy="9144000"/>
@@ -498,7 +502,7 @@
             <a:fld id="{8F233827-4D33-44CC-954B-EE263D7F21E5}" type="datetimeFigureOut">
               <a:rPr lang="ru-RU" smtClean="0"/>
               <a:pPr/>
-              <a:t>23.01.2018</a:t>
+              <a:t>27.01.2018</a:t>
             </a:fld>
             <a:endParaRPr lang="ru-RU"/>
           </a:p>
@@ -665,7 +669,7 @@
             <a:fld id="{8F233827-4D33-44CC-954B-EE263D7F21E5}" type="datetimeFigureOut">
               <a:rPr lang="ru-RU" smtClean="0"/>
               <a:pPr/>
-              <a:t>23.01.2018</a:t>
+              <a:t>27.01.2018</a:t>
             </a:fld>
             <a:endParaRPr lang="ru-RU"/>
           </a:p>
@@ -842,7 +846,7 @@
             <a:fld id="{8F233827-4D33-44CC-954B-EE263D7F21E5}" type="datetimeFigureOut">
               <a:rPr lang="ru-RU" smtClean="0"/>
               <a:pPr/>
-              <a:t>23.01.2018</a:t>
+              <a:t>27.01.2018</a:t>
             </a:fld>
             <a:endParaRPr lang="ru-RU"/>
           </a:p>
@@ -1013,7 +1017,7 @@
             <a:fld id="{8F233827-4D33-44CC-954B-EE263D7F21E5}" type="datetimeFigureOut">
               <a:rPr lang="ru-RU" smtClean="0"/>
               <a:pPr/>
-              <a:t>23.01.2018</a:t>
+              <a:t>27.01.2018</a:t>
             </a:fld>
             <a:endParaRPr lang="ru-RU"/>
           </a:p>
@@ -1470,7 +1474,7 @@
             <a:fld id="{8F233827-4D33-44CC-954B-EE263D7F21E5}" type="datetimeFigureOut">
               <a:rPr lang="ru-RU" smtClean="0"/>
               <a:pPr/>
-              <a:t>23.01.2018</a:t>
+              <a:t>27.01.2018</a:t>
             </a:fld>
             <a:endParaRPr lang="ru-RU"/>
           </a:p>
@@ -1736,7 +1740,7 @@
             <a:fld id="{8F233827-4D33-44CC-954B-EE263D7F21E5}" type="datetimeFigureOut">
               <a:rPr lang="ru-RU" smtClean="0"/>
               <a:pPr/>
-              <a:t>23.01.2018</a:t>
+              <a:t>27.01.2018</a:t>
             </a:fld>
             <a:endParaRPr lang="ru-RU"/>
           </a:p>
@@ -2112,7 +2116,7 @@
             <a:fld id="{8F233827-4D33-44CC-954B-EE263D7F21E5}" type="datetimeFigureOut">
               <a:rPr lang="ru-RU" smtClean="0"/>
               <a:pPr/>
-              <a:t>23.01.2018</a:t>
+              <a:t>27.01.2018</a:t>
             </a:fld>
             <a:endParaRPr lang="ru-RU"/>
           </a:p>
@@ -2236,7 +2240,7 @@
             <a:fld id="{8F233827-4D33-44CC-954B-EE263D7F21E5}" type="datetimeFigureOut">
               <a:rPr lang="ru-RU" smtClean="0"/>
               <a:pPr/>
-              <a:t>23.01.2018</a:t>
+              <a:t>27.01.2018</a:t>
             </a:fld>
             <a:endParaRPr lang="ru-RU"/>
           </a:p>
@@ -2328,7 +2332,7 @@
             <a:fld id="{8F233827-4D33-44CC-954B-EE263D7F21E5}" type="datetimeFigureOut">
               <a:rPr lang="ru-RU" smtClean="0"/>
               <a:pPr/>
-              <a:t>23.01.2018</a:t>
+              <a:t>27.01.2018</a:t>
             </a:fld>
             <a:endParaRPr lang="ru-RU"/>
           </a:p>
@@ -2579,7 +2583,7 @@
             <a:fld id="{8F233827-4D33-44CC-954B-EE263D7F21E5}" type="datetimeFigureOut">
               <a:rPr lang="ru-RU" smtClean="0"/>
               <a:pPr/>
-              <a:t>23.01.2018</a:t>
+              <a:t>27.01.2018</a:t>
             </a:fld>
             <a:endParaRPr lang="ru-RU"/>
           </a:p>
@@ -2840,7 +2844,7 @@
             <a:fld id="{8F233827-4D33-44CC-954B-EE263D7F21E5}" type="datetimeFigureOut">
               <a:rPr lang="ru-RU" smtClean="0"/>
               <a:pPr/>
-              <a:t>23.01.2018</a:t>
+              <a:t>27.01.2018</a:t>
             </a:fld>
             <a:endParaRPr lang="ru-RU"/>
           </a:p>
@@ -3246,7 +3250,7 @@
             <a:fld id="{8F233827-4D33-44CC-954B-EE263D7F21E5}" type="datetimeFigureOut">
               <a:rPr lang="ru-RU" smtClean="0"/>
               <a:pPr/>
-              <a:t>23.01.2018</a:t>
+              <a:t>27.01.2018</a:t>
             </a:fld>
             <a:endParaRPr lang="ru-RU"/>
           </a:p>
@@ -3829,6 +3833,460 @@
 </p:sld>
 </file>
 
+<file path=ppt/slides/slide10.xml><?xml version="1.0" encoding="utf-8"?>
+<p:sld xmlns:a="http://schemas.openxmlformats.org/drawingml/2006/main" xmlns:r="http://schemas.openxmlformats.org/officeDocument/2006/relationships" xmlns:p="http://schemas.openxmlformats.org/presentationml/2006/main">
+  <p:cSld>
+    <p:spTree>
+      <p:nvGrpSpPr>
+        <p:cNvPr id="1" name=""/>
+        <p:cNvGrpSpPr/>
+        <p:nvPr/>
+      </p:nvGrpSpPr>
+      <p:grpSpPr>
+        <a:xfrm>
+          <a:off x="0" y="0"/>
+          <a:ext cx="0" cy="0"/>
+          <a:chOff x="0" y="0"/>
+          <a:chExt cx="0" cy="0"/>
+        </a:xfrm>
+      </p:grpSpPr>
+      <p:sp>
+        <p:nvSpPr>
+          <p:cNvPr id="2" name="Заголовок 1"/>
+          <p:cNvSpPr>
+            <a:spLocks noGrp="1"/>
+          </p:cNvSpPr>
+          <p:nvPr>
+            <p:ph type="ctrTitle"/>
+          </p:nvPr>
+        </p:nvSpPr>
+        <p:spPr>
+          <a:xfrm>
+            <a:off x="214282" y="214290"/>
+            <a:ext cx="3357586" cy="642942"/>
+          </a:xfrm>
+        </p:spPr>
+        <p:txBody>
+          <a:bodyPr>
+            <a:normAutofit/>
+          </a:bodyPr>
+          <a:lstStyle/>
+          <a:p>
+            <a:pPr algn="ctr"/>
+            <a:r>
+              <a:rPr lang="ru-RU" sz="3600" dirty="0" smtClean="0"/>
+              <a:t>С</a:t>
+            </a:r>
+            <a:r>
+              <a:rPr lang="ru-RU" sz="3600" cap="none" dirty="0" smtClean="0"/>
+              <a:t>читаем стаж</a:t>
+            </a:r>
+            <a:endParaRPr lang="ru-RU" sz="3600" dirty="0"/>
+          </a:p>
+        </p:txBody>
+      </p:sp>
+      <p:sp>
+        <p:nvSpPr>
+          <p:cNvPr id="4" name="TextBox 3"/>
+          <p:cNvSpPr txBox="1"/>
+          <p:nvPr/>
+        </p:nvSpPr>
+        <p:spPr>
+          <a:xfrm>
+            <a:off x="500034" y="785794"/>
+            <a:ext cx="2357454" cy="369332"/>
+          </a:xfrm>
+          <a:prstGeom prst="rect">
+            <a:avLst/>
+          </a:prstGeom>
+          <a:noFill/>
+        </p:spPr>
+        <p:txBody>
+          <a:bodyPr wrap="square" rtlCol="0">
+            <a:spAutoFit/>
+          </a:bodyPr>
+          <a:lstStyle/>
+          <a:p>
+            <a:r>
+              <a:rPr lang="ru-RU" dirty="0" smtClean="0"/>
+              <a:t>Диаграмма классов:</a:t>
+            </a:r>
+            <a:endParaRPr lang="ru-RU" dirty="0"/>
+          </a:p>
+        </p:txBody>
+      </p:sp>
+      <p:pic>
+        <p:nvPicPr>
+          <p:cNvPr id="4099" name="Picture 3" descr="C:\Users\ACERa\Downloads\umldate.png"/>
+          <p:cNvPicPr>
+            <a:picLocks noChangeAspect="1" noChangeArrowheads="1"/>
+          </p:cNvPicPr>
+          <p:nvPr/>
+        </p:nvPicPr>
+        <p:blipFill>
+          <a:blip r:embed="rId2"/>
+          <a:srcRect/>
+          <a:stretch>
+            <a:fillRect/>
+          </a:stretch>
+        </p:blipFill>
+        <p:spPr bwMode="auto">
+          <a:xfrm>
+            <a:off x="500034" y="1500174"/>
+            <a:ext cx="8205935" cy="3429024"/>
+          </a:xfrm>
+          <a:prstGeom prst="rect">
+            <a:avLst/>
+          </a:prstGeom>
+          <a:noFill/>
+        </p:spPr>
+      </p:pic>
+    </p:spTree>
+  </p:cSld>
+  <p:clrMapOvr>
+    <a:masterClrMapping/>
+  </p:clrMapOvr>
+  <p:timing>
+    <p:tnLst>
+      <p:par>
+        <p:cTn id="1" dur="indefinite" restart="never" nodeType="tmRoot"/>
+      </p:par>
+    </p:tnLst>
+  </p:timing>
+</p:sld>
+</file>
+
+<file path=ppt/slides/slide11.xml><?xml version="1.0" encoding="utf-8"?>
+<p:sld xmlns:a="http://schemas.openxmlformats.org/drawingml/2006/main" xmlns:r="http://schemas.openxmlformats.org/officeDocument/2006/relationships" xmlns:p="http://schemas.openxmlformats.org/presentationml/2006/main">
+  <p:cSld>
+    <p:spTree>
+      <p:nvGrpSpPr>
+        <p:cNvPr id="1" name=""/>
+        <p:cNvGrpSpPr/>
+        <p:nvPr/>
+      </p:nvGrpSpPr>
+      <p:grpSpPr>
+        <a:xfrm>
+          <a:off x="0" y="0"/>
+          <a:ext cx="0" cy="0"/>
+          <a:chOff x="0" y="0"/>
+          <a:chExt cx="0" cy="0"/>
+        </a:xfrm>
+      </p:grpSpPr>
+      <p:sp>
+        <p:nvSpPr>
+          <p:cNvPr id="2" name="Заголовок 1"/>
+          <p:cNvSpPr>
+            <a:spLocks noGrp="1"/>
+          </p:cNvSpPr>
+          <p:nvPr>
+            <p:ph type="ctrTitle"/>
+          </p:nvPr>
+        </p:nvSpPr>
+        <p:spPr>
+          <a:xfrm>
+            <a:off x="214282" y="214290"/>
+            <a:ext cx="3357586" cy="642942"/>
+          </a:xfrm>
+        </p:spPr>
+        <p:txBody>
+          <a:bodyPr>
+            <a:normAutofit/>
+          </a:bodyPr>
+          <a:lstStyle/>
+          <a:p>
+            <a:pPr algn="ctr"/>
+            <a:r>
+              <a:rPr lang="ru-RU" sz="3600" dirty="0" smtClean="0"/>
+              <a:t>С</a:t>
+            </a:r>
+            <a:r>
+              <a:rPr lang="ru-RU" sz="3600" cap="none" dirty="0" smtClean="0"/>
+              <a:t>читаем стаж</a:t>
+            </a:r>
+            <a:endParaRPr lang="ru-RU" sz="3600" dirty="0"/>
+          </a:p>
+        </p:txBody>
+      </p:sp>
+      <p:sp>
+        <p:nvSpPr>
+          <p:cNvPr id="4" name="TextBox 3"/>
+          <p:cNvSpPr txBox="1"/>
+          <p:nvPr/>
+        </p:nvSpPr>
+        <p:spPr>
+          <a:xfrm>
+            <a:off x="500034" y="785794"/>
+            <a:ext cx="8143932" cy="369332"/>
+          </a:xfrm>
+          <a:prstGeom prst="rect">
+            <a:avLst/>
+          </a:prstGeom>
+          <a:noFill/>
+        </p:spPr>
+        <p:txBody>
+          <a:bodyPr wrap="square" rtlCol="0">
+            <a:spAutoFit/>
+          </a:bodyPr>
+          <a:lstStyle/>
+          <a:p>
+            <a:r>
+              <a:rPr lang="ru-RU" dirty="0" smtClean="0"/>
+              <a:t>Вариант доработки приложения и разработки новой версии программы:</a:t>
+            </a:r>
+            <a:endParaRPr lang="ru-RU" dirty="0"/>
+          </a:p>
+        </p:txBody>
+      </p:sp>
+      <p:pic>
+        <p:nvPicPr>
+          <p:cNvPr id="3074" name="Picture 2" descr="C:\AndroidStudioProjects\ПРОЕКТ\netrudosp_2011b_r.jpg"/>
+          <p:cNvPicPr>
+            <a:picLocks noChangeAspect="1" noChangeArrowheads="1"/>
+          </p:cNvPicPr>
+          <p:nvPr/>
+        </p:nvPicPr>
+        <p:blipFill>
+          <a:blip r:embed="rId2"/>
+          <a:srcRect/>
+          <a:stretch>
+            <a:fillRect/>
+          </a:stretch>
+        </p:blipFill>
+        <p:spPr bwMode="auto">
+          <a:xfrm>
+            <a:off x="785786" y="1500174"/>
+            <a:ext cx="7620000" cy="2324100"/>
+          </a:xfrm>
+          <a:prstGeom prst="rect">
+            <a:avLst/>
+          </a:prstGeom>
+          <a:noFill/>
+        </p:spPr>
+      </p:pic>
+      <p:sp>
+        <p:nvSpPr>
+          <p:cNvPr id="5" name="Левая фигурная скобка 4"/>
+          <p:cNvSpPr/>
+          <p:nvPr/>
+        </p:nvSpPr>
+        <p:spPr>
+          <a:xfrm rot="16200000">
+            <a:off x="2750331" y="1321579"/>
+            <a:ext cx="285752" cy="1928826"/>
+          </a:xfrm>
+          <a:prstGeom prst="leftBrace">
+            <a:avLst>
+              <a:gd name="adj1" fmla="val 8333"/>
+              <a:gd name="adj2" fmla="val 49076"/>
+            </a:avLst>
+          </a:prstGeom>
+          <a:ln w="38100">
+            <a:solidFill>
+              <a:srgbClr val="FF0000"/>
+            </a:solidFill>
+          </a:ln>
+        </p:spPr>
+        <p:style>
+          <a:lnRef idx="1">
+            <a:schemeClr val="accent1"/>
+          </a:lnRef>
+          <a:fillRef idx="0">
+            <a:schemeClr val="accent1"/>
+          </a:fillRef>
+          <a:effectRef idx="0">
+            <a:schemeClr val="accent1"/>
+          </a:effectRef>
+          <a:fontRef idx="minor">
+            <a:schemeClr val="tx1"/>
+          </a:fontRef>
+        </p:style>
+        <p:txBody>
+          <a:bodyPr rtlCol="0" anchor="ctr"/>
+          <a:lstStyle/>
+          <a:p>
+            <a:pPr algn="ctr"/>
+            <a:endParaRPr lang="ru-RU"/>
+          </a:p>
+        </p:txBody>
+      </p:sp>
+      <p:sp>
+        <p:nvSpPr>
+          <p:cNvPr id="8" name="Левая фигурная скобка 7"/>
+          <p:cNvSpPr/>
+          <p:nvPr/>
+        </p:nvSpPr>
+        <p:spPr>
+          <a:xfrm rot="16200000">
+            <a:off x="5250661" y="1250141"/>
+            <a:ext cx="285752" cy="2071702"/>
+          </a:xfrm>
+          <a:prstGeom prst="leftBrace">
+            <a:avLst>
+              <a:gd name="adj1" fmla="val 8333"/>
+              <a:gd name="adj2" fmla="val 49076"/>
+            </a:avLst>
+          </a:prstGeom>
+          <a:ln w="38100">
+            <a:solidFill>
+              <a:srgbClr val="FF0000"/>
+            </a:solidFill>
+          </a:ln>
+        </p:spPr>
+        <p:style>
+          <a:lnRef idx="1">
+            <a:schemeClr val="accent1"/>
+          </a:lnRef>
+          <a:fillRef idx="0">
+            <a:schemeClr val="accent1"/>
+          </a:fillRef>
+          <a:effectRef idx="0">
+            <a:schemeClr val="accent1"/>
+          </a:effectRef>
+          <a:fontRef idx="minor">
+            <a:schemeClr val="tx1"/>
+          </a:fontRef>
+        </p:style>
+        <p:txBody>
+          <a:bodyPr rtlCol="0" anchor="ctr"/>
+          <a:lstStyle/>
+          <a:p>
+            <a:pPr algn="ctr"/>
+            <a:endParaRPr lang="ru-RU"/>
+          </a:p>
+        </p:txBody>
+      </p:sp>
+      <p:cxnSp>
+        <p:nvCxnSpPr>
+          <p:cNvPr id="12" name="Соединительная линия уступом 11"/>
+          <p:cNvCxnSpPr>
+            <a:endCxn id="5" idx="1"/>
+          </p:cNvCxnSpPr>
+          <p:nvPr/>
+        </p:nvCxnSpPr>
+        <p:spPr>
+          <a:xfrm rot="5400000" flipH="1" flipV="1">
+            <a:off x="1187643" y="2527077"/>
+            <a:ext cx="1785950" cy="1589533"/>
+          </a:xfrm>
+          <a:prstGeom prst="bentConnector3">
+            <a:avLst>
+              <a:gd name="adj1" fmla="val 50000"/>
+            </a:avLst>
+          </a:prstGeom>
+          <a:ln w="38100">
+            <a:solidFill>
+              <a:srgbClr val="FF0000"/>
+            </a:solidFill>
+            <a:tailEnd type="arrow"/>
+          </a:ln>
+        </p:spPr>
+        <p:style>
+          <a:lnRef idx="1">
+            <a:schemeClr val="accent1"/>
+          </a:lnRef>
+          <a:fillRef idx="0">
+            <a:schemeClr val="accent1"/>
+          </a:fillRef>
+          <a:effectRef idx="0">
+            <a:schemeClr val="accent1"/>
+          </a:effectRef>
+          <a:fontRef idx="minor">
+            <a:schemeClr val="tx1"/>
+          </a:fontRef>
+        </p:style>
+      </p:cxnSp>
+      <p:cxnSp>
+        <p:nvCxnSpPr>
+          <p:cNvPr id="14" name="Прямая со стрелкой 13"/>
+          <p:cNvCxnSpPr>
+            <a:endCxn id="8" idx="1"/>
+          </p:cNvCxnSpPr>
+          <p:nvPr/>
+        </p:nvCxnSpPr>
+        <p:spPr>
+          <a:xfrm flipV="1">
+            <a:off x="2857488" y="2428868"/>
+            <a:ext cx="2516906" cy="857256"/>
+          </a:xfrm>
+          <a:prstGeom prst="straightConnector1">
+            <a:avLst/>
+          </a:prstGeom>
+          <a:ln w="38100">
+            <a:solidFill>
+              <a:srgbClr val="FF0000"/>
+            </a:solidFill>
+            <a:tailEnd type="arrow"/>
+          </a:ln>
+        </p:spPr>
+        <p:style>
+          <a:lnRef idx="1">
+            <a:schemeClr val="accent1"/>
+          </a:lnRef>
+          <a:fillRef idx="0">
+            <a:schemeClr val="accent1"/>
+          </a:fillRef>
+          <a:effectRef idx="0">
+            <a:schemeClr val="accent1"/>
+          </a:effectRef>
+          <a:fontRef idx="minor">
+            <a:schemeClr val="tx1"/>
+          </a:fontRef>
+        </p:style>
+      </p:cxnSp>
+      <p:sp>
+        <p:nvSpPr>
+          <p:cNvPr id="16" name="TextBox 15"/>
+          <p:cNvSpPr txBox="1"/>
+          <p:nvPr/>
+        </p:nvSpPr>
+        <p:spPr>
+          <a:xfrm>
+            <a:off x="785786" y="4357694"/>
+            <a:ext cx="7572428" cy="1169551"/>
+          </a:xfrm>
+          <a:prstGeom prst="rect">
+            <a:avLst/>
+          </a:prstGeom>
+          <a:noFill/>
+        </p:spPr>
+        <p:txBody>
+          <a:bodyPr wrap="square" rtlCol="0">
+            <a:spAutoFit/>
+          </a:bodyPr>
+          <a:lstStyle/>
+          <a:p>
+            <a:pPr algn="just"/>
+            <a:r>
+              <a:rPr lang="ru-RU" sz="1400" dirty="0" smtClean="0"/>
+              <a:t>В новой версии программы возможен ввод в базу данных сведений об ИНН и СНИЛС нетрудоспособного работника с целью их автоматического вывода на экран.</a:t>
+            </a:r>
+          </a:p>
+          <a:p>
+            <a:pPr algn="just"/>
+            <a:r>
+              <a:rPr lang="ru-RU" sz="1400" dirty="0" smtClean="0"/>
+              <a:t>Данная функция позволит сэкономить трудозатраты и время, необходимое на заполнение листа нетрудоспособности, так как не будет необходимости обращаться к бумажным носителям информации (личному делу, карточке учета формы Т-2 (Т-2 ГС).</a:t>
+            </a:r>
+            <a:endParaRPr lang="ru-RU" sz="1400" dirty="0"/>
+          </a:p>
+        </p:txBody>
+      </p:sp>
+    </p:spTree>
+  </p:cSld>
+  <p:clrMapOvr>
+    <a:masterClrMapping/>
+  </p:clrMapOvr>
+  <p:timing>
+    <p:tnLst>
+      <p:par>
+        <p:cTn id="1" dur="indefinite" restart="never" nodeType="tmRoot"/>
+      </p:par>
+    </p:tnLst>
+  </p:timing>
+</p:sld>
+</file>
+
 <file path=ppt/slides/slide2.xml><?xml version="1.0" encoding="utf-8"?>
 <p:sld xmlns:a="http://schemas.openxmlformats.org/drawingml/2006/main" xmlns:r="http://schemas.openxmlformats.org/officeDocument/2006/relationships" xmlns:p="http://schemas.openxmlformats.org/presentationml/2006/main">
   <p:cSld>
@@ -6880,7 +7338,7 @@
         </p:nvSpPr>
         <p:spPr>
           <a:xfrm>
-            <a:off x="214282" y="785794"/>
+            <a:off x="500034" y="785794"/>
             <a:ext cx="7572428" cy="369332"/>
           </a:xfrm>
           <a:prstGeom prst="rect">
@@ -7046,7 +7504,7 @@
           <a:prstGeom prst="bentConnector2">
             <a:avLst/>
           </a:prstGeom>
-          <a:ln>
+          <a:ln w="28575">
             <a:tailEnd type="arrow"/>
           </a:ln>
         </p:spPr>
@@ -7156,7 +7614,7 @@
           <a:prstGeom prst="bentConnector2">
             <a:avLst/>
           </a:prstGeom>
-          <a:ln>
+          <a:ln w="28575">
             <a:tailEnd type="arrow"/>
           </a:ln>
         </p:spPr>
@@ -7224,7 +7682,7 @@
               <a:gd name="adj1" fmla="val 50000"/>
             </a:avLst>
           </a:prstGeom>
-          <a:ln>
+          <a:ln w="28575">
             <a:tailEnd type="arrow"/>
           </a:ln>
         </p:spPr>
@@ -7257,6 +7715,7 @@
           <a:prstGeom prst="line">
             <a:avLst/>
           </a:prstGeom>
+          <a:ln w="28575"/>
         </p:spPr>
         <p:style>
           <a:lnRef idx="1">
@@ -7320,7 +7779,7 @@
           <a:prstGeom prst="straightConnector1">
             <a:avLst/>
           </a:prstGeom>
-          <a:ln>
+          <a:ln w="28575">
             <a:tailEnd type="arrow"/>
           </a:ln>
         </p:spPr>
@@ -7353,7 +7812,7 @@
           <a:prstGeom prst="straightConnector1">
             <a:avLst/>
           </a:prstGeom>
-          <a:ln>
+          <a:ln w="28575">
             <a:prstDash val="dash"/>
             <a:tailEnd type="arrow"/>
           </a:ln>
@@ -7444,6 +7903,1161 @@
           </a:p>
         </p:txBody>
       </p:sp>
+      <p:pic>
+        <p:nvPicPr>
+          <p:cNvPr id="20" name="Рисунок 19" descr="ssk-01-1.png"/>
+          <p:cNvPicPr>
+            <a:picLocks noChangeAspect="1"/>
+          </p:cNvPicPr>
+          <p:nvPr/>
+        </p:nvPicPr>
+        <p:blipFill>
+          <a:blip r:embed="rId4"/>
+          <a:stretch>
+            <a:fillRect/>
+          </a:stretch>
+        </p:blipFill>
+        <p:spPr>
+          <a:xfrm>
+            <a:off x="1000100" y="2116702"/>
+            <a:ext cx="2000264" cy="1260703"/>
+          </a:xfrm>
+          <a:prstGeom prst="rect">
+            <a:avLst/>
+          </a:prstGeom>
+        </p:spPr>
+      </p:pic>
+    </p:spTree>
+  </p:cSld>
+  <p:clrMapOvr>
+    <a:masterClrMapping/>
+  </p:clrMapOvr>
+  <p:timing>
+    <p:tnLst>
+      <p:par>
+        <p:cTn id="1" dur="indefinite" restart="never" nodeType="tmRoot"/>
+      </p:par>
+    </p:tnLst>
+  </p:timing>
+</p:sld>
+</file>
+
+<file path=ppt/slides/slide8.xml><?xml version="1.0" encoding="utf-8"?>
+<p:sld xmlns:a="http://schemas.openxmlformats.org/drawingml/2006/main" xmlns:r="http://schemas.openxmlformats.org/officeDocument/2006/relationships" xmlns:p="http://schemas.openxmlformats.org/presentationml/2006/main">
+  <p:cSld>
+    <p:spTree>
+      <p:nvGrpSpPr>
+        <p:cNvPr id="1" name=""/>
+        <p:cNvGrpSpPr/>
+        <p:nvPr/>
+      </p:nvGrpSpPr>
+      <p:grpSpPr>
+        <a:xfrm>
+          <a:off x="0" y="0"/>
+          <a:ext cx="0" cy="0"/>
+          <a:chOff x="0" y="0"/>
+          <a:chExt cx="0" cy="0"/>
+        </a:xfrm>
+      </p:grpSpPr>
+      <p:sp>
+        <p:nvSpPr>
+          <p:cNvPr id="2" name="Заголовок 1"/>
+          <p:cNvSpPr>
+            <a:spLocks noGrp="1"/>
+          </p:cNvSpPr>
+          <p:nvPr>
+            <p:ph type="ctrTitle"/>
+          </p:nvPr>
+        </p:nvSpPr>
+        <p:spPr>
+          <a:xfrm>
+            <a:off x="214282" y="214290"/>
+            <a:ext cx="3357586" cy="642942"/>
+          </a:xfrm>
+        </p:spPr>
+        <p:txBody>
+          <a:bodyPr>
+            <a:normAutofit/>
+          </a:bodyPr>
+          <a:lstStyle/>
+          <a:p>
+            <a:pPr algn="ctr"/>
+            <a:r>
+              <a:rPr lang="ru-RU" sz="3600" dirty="0" smtClean="0"/>
+              <a:t>С</a:t>
+            </a:r>
+            <a:r>
+              <a:rPr lang="ru-RU" sz="3600" cap="none" dirty="0" smtClean="0"/>
+              <a:t>читаем стаж</a:t>
+            </a:r>
+            <a:endParaRPr lang="ru-RU" sz="3600" dirty="0"/>
+          </a:p>
+        </p:txBody>
+      </p:sp>
+      <p:sp>
+        <p:nvSpPr>
+          <p:cNvPr id="4" name="TextBox 3"/>
+          <p:cNvSpPr txBox="1"/>
+          <p:nvPr/>
+        </p:nvSpPr>
+        <p:spPr>
+          <a:xfrm>
+            <a:off x="500034" y="785794"/>
+            <a:ext cx="7572428" cy="369332"/>
+          </a:xfrm>
+          <a:prstGeom prst="rect">
+            <a:avLst/>
+          </a:prstGeom>
+          <a:noFill/>
+        </p:spPr>
+        <p:txBody>
+          <a:bodyPr wrap="square" rtlCol="0">
+            <a:spAutoFit/>
+          </a:bodyPr>
+          <a:lstStyle/>
+          <a:p>
+            <a:r>
+              <a:rPr lang="ru-RU" dirty="0" smtClean="0"/>
+              <a:t>Пример </a:t>
+            </a:r>
+            <a:r>
+              <a:rPr lang="ru-RU" dirty="0" smtClean="0"/>
+              <a:t>рабочих экранов приложения:</a:t>
+            </a:r>
+            <a:endParaRPr lang="ru-RU" dirty="0"/>
+          </a:p>
+        </p:txBody>
+      </p:sp>
+      <p:sp>
+        <p:nvSpPr>
+          <p:cNvPr id="61" name="TextBox 60"/>
+          <p:cNvSpPr txBox="1"/>
+          <p:nvPr/>
+        </p:nvSpPr>
+        <p:spPr>
+          <a:xfrm>
+            <a:off x="1000100" y="1428736"/>
+            <a:ext cx="2000264" cy="369332"/>
+          </a:xfrm>
+          <a:prstGeom prst="rect">
+            <a:avLst/>
+          </a:prstGeom>
+          <a:noFill/>
+        </p:spPr>
+        <p:txBody>
+          <a:bodyPr wrap="square" rtlCol="0">
+            <a:spAutoFit/>
+          </a:bodyPr>
+          <a:lstStyle/>
+          <a:p>
+            <a:pPr algn="ctr"/>
+            <a:r>
+              <a:rPr lang="en-US" dirty="0" smtClean="0"/>
+              <a:t>Activity </a:t>
+            </a:r>
+            <a:r>
+              <a:rPr lang="ru-RU" dirty="0" smtClean="0"/>
+              <a:t>3</a:t>
+            </a:r>
+            <a:endParaRPr lang="ru-RU" dirty="0"/>
+          </a:p>
+        </p:txBody>
+      </p:sp>
+      <p:sp>
+        <p:nvSpPr>
+          <p:cNvPr id="118" name="TextBox 117"/>
+          <p:cNvSpPr txBox="1"/>
+          <p:nvPr/>
+        </p:nvSpPr>
+        <p:spPr>
+          <a:xfrm>
+            <a:off x="3500430" y="1428736"/>
+            <a:ext cx="2000264" cy="369332"/>
+          </a:xfrm>
+          <a:prstGeom prst="rect">
+            <a:avLst/>
+          </a:prstGeom>
+          <a:noFill/>
+        </p:spPr>
+        <p:txBody>
+          <a:bodyPr wrap="square" rtlCol="0">
+            <a:spAutoFit/>
+          </a:bodyPr>
+          <a:lstStyle/>
+          <a:p>
+            <a:pPr algn="ctr"/>
+            <a:r>
+              <a:rPr lang="en-US" dirty="0" smtClean="0"/>
+              <a:t>Activity </a:t>
+            </a:r>
+            <a:r>
+              <a:rPr lang="ru-RU" dirty="0" smtClean="0"/>
+              <a:t>4</a:t>
+            </a:r>
+            <a:endParaRPr lang="ru-RU" dirty="0"/>
+          </a:p>
+        </p:txBody>
+      </p:sp>
+      <p:sp>
+        <p:nvSpPr>
+          <p:cNvPr id="22" name="TextBox 21"/>
+          <p:cNvSpPr txBox="1"/>
+          <p:nvPr/>
+        </p:nvSpPr>
+        <p:spPr>
+          <a:xfrm>
+            <a:off x="6000760" y="1428736"/>
+            <a:ext cx="2000264" cy="369332"/>
+          </a:xfrm>
+          <a:prstGeom prst="rect">
+            <a:avLst/>
+          </a:prstGeom>
+          <a:noFill/>
+        </p:spPr>
+        <p:txBody>
+          <a:bodyPr wrap="square" rtlCol="0">
+            <a:spAutoFit/>
+          </a:bodyPr>
+          <a:lstStyle/>
+          <a:p>
+            <a:pPr algn="ctr"/>
+            <a:r>
+              <a:rPr lang="en-US" dirty="0" smtClean="0"/>
+              <a:t>Activity </a:t>
+            </a:r>
+            <a:r>
+              <a:rPr lang="ru-RU" dirty="0" smtClean="0"/>
+              <a:t>5</a:t>
+            </a:r>
+            <a:endParaRPr lang="ru-RU" dirty="0"/>
+          </a:p>
+        </p:txBody>
+      </p:sp>
+      <p:pic>
+        <p:nvPicPr>
+          <p:cNvPr id="3" name="Picture 2" descr="C:\AndroidStudioProjects\ПРОЕКТ\Activity_03.jpg"/>
+          <p:cNvPicPr>
+            <a:picLocks noChangeAspect="1" noChangeArrowheads="1"/>
+          </p:cNvPicPr>
+          <p:nvPr/>
+        </p:nvPicPr>
+        <p:blipFill>
+          <a:blip r:embed="rId2"/>
+          <a:srcRect/>
+          <a:stretch>
+            <a:fillRect/>
+          </a:stretch>
+        </p:blipFill>
+        <p:spPr bwMode="auto">
+          <a:xfrm>
+            <a:off x="714348" y="1857364"/>
+            <a:ext cx="2409825" cy="4029075"/>
+          </a:xfrm>
+          <a:prstGeom prst="rect">
+            <a:avLst/>
+          </a:prstGeom>
+          <a:noFill/>
+        </p:spPr>
+      </p:pic>
+      <p:pic>
+        <p:nvPicPr>
+          <p:cNvPr id="5" name="Picture 3" descr="C:\AndroidStudioProjects\ПРОЕКТ\Activity_04.jpg"/>
+          <p:cNvPicPr>
+            <a:picLocks noChangeAspect="1" noChangeArrowheads="1"/>
+          </p:cNvPicPr>
+          <p:nvPr/>
+        </p:nvPicPr>
+        <p:blipFill>
+          <a:blip r:embed="rId3"/>
+          <a:srcRect/>
+          <a:stretch>
+            <a:fillRect/>
+          </a:stretch>
+        </p:blipFill>
+        <p:spPr bwMode="auto">
+          <a:xfrm>
+            <a:off x="3357554" y="1857364"/>
+            <a:ext cx="2409825" cy="4029075"/>
+          </a:xfrm>
+          <a:prstGeom prst="rect">
+            <a:avLst/>
+          </a:prstGeom>
+          <a:noFill/>
+        </p:spPr>
+      </p:pic>
+      <p:pic>
+        <p:nvPicPr>
+          <p:cNvPr id="1028" name="Picture 4" descr="C:\AndroidStudioProjects\ПРОЕКТ\Activity_05.jpg"/>
+          <p:cNvPicPr>
+            <a:picLocks noChangeAspect="1" noChangeArrowheads="1"/>
+          </p:cNvPicPr>
+          <p:nvPr/>
+        </p:nvPicPr>
+        <p:blipFill>
+          <a:blip r:embed="rId4"/>
+          <a:srcRect/>
+          <a:stretch>
+            <a:fillRect/>
+          </a:stretch>
+        </p:blipFill>
+        <p:spPr bwMode="auto">
+          <a:xfrm>
+            <a:off x="6000760" y="1857364"/>
+            <a:ext cx="2409825" cy="4029075"/>
+          </a:xfrm>
+          <a:prstGeom prst="rect">
+            <a:avLst/>
+          </a:prstGeom>
+          <a:noFill/>
+        </p:spPr>
+      </p:pic>
+      <p:sp>
+        <p:nvSpPr>
+          <p:cNvPr id="28" name="Левая фигурная скобка 27"/>
+          <p:cNvSpPr/>
+          <p:nvPr/>
+        </p:nvSpPr>
+        <p:spPr>
+          <a:xfrm>
+            <a:off x="3357554" y="3643314"/>
+            <a:ext cx="260033" cy="1143008"/>
+          </a:xfrm>
+          <a:prstGeom prst="leftBrace">
+            <a:avLst/>
+          </a:prstGeom>
+          <a:ln w="28575"/>
+        </p:spPr>
+        <p:style>
+          <a:lnRef idx="1">
+            <a:schemeClr val="accent1"/>
+          </a:lnRef>
+          <a:fillRef idx="0">
+            <a:schemeClr val="accent1"/>
+          </a:fillRef>
+          <a:effectRef idx="0">
+            <a:schemeClr val="accent1"/>
+          </a:effectRef>
+          <a:fontRef idx="minor">
+            <a:schemeClr val="tx1"/>
+          </a:fontRef>
+        </p:style>
+        <p:txBody>
+          <a:bodyPr rtlCol="0" anchor="ctr"/>
+          <a:lstStyle/>
+          <a:p>
+            <a:pPr algn="ctr"/>
+            <a:endParaRPr lang="ru-RU"/>
+          </a:p>
+        </p:txBody>
+      </p:sp>
+      <p:cxnSp>
+        <p:nvCxnSpPr>
+          <p:cNvPr id="30" name="Shape 29"/>
+          <p:cNvCxnSpPr>
+            <a:endCxn id="28" idx="1"/>
+          </p:cNvCxnSpPr>
+          <p:nvPr/>
+        </p:nvCxnSpPr>
+        <p:spPr>
+          <a:xfrm rot="5400000" flipH="1" flipV="1">
+            <a:off x="2321703" y="5107793"/>
+            <a:ext cx="1928826" cy="142876"/>
+          </a:xfrm>
+          <a:prstGeom prst="bentConnector2">
+            <a:avLst/>
+          </a:prstGeom>
+          <a:ln w="28575"/>
+        </p:spPr>
+        <p:style>
+          <a:lnRef idx="1">
+            <a:schemeClr val="accent1"/>
+          </a:lnRef>
+          <a:fillRef idx="0">
+            <a:schemeClr val="accent1"/>
+          </a:fillRef>
+          <a:effectRef idx="0">
+            <a:schemeClr val="accent1"/>
+          </a:effectRef>
+          <a:fontRef idx="minor">
+            <a:schemeClr val="tx1"/>
+          </a:fontRef>
+        </p:style>
+      </p:cxnSp>
+      <p:sp>
+        <p:nvSpPr>
+          <p:cNvPr id="31" name="TextBox 30"/>
+          <p:cNvSpPr txBox="1"/>
+          <p:nvPr/>
+        </p:nvSpPr>
+        <p:spPr>
+          <a:xfrm>
+            <a:off x="3357554" y="6000768"/>
+            <a:ext cx="2428892" cy="523220"/>
+          </a:xfrm>
+          <a:prstGeom prst="rect">
+            <a:avLst/>
+          </a:prstGeom>
+          <a:noFill/>
+        </p:spPr>
+        <p:txBody>
+          <a:bodyPr wrap="square" rtlCol="0">
+            <a:spAutoFit/>
+          </a:bodyPr>
+          <a:lstStyle/>
+          <a:p>
+            <a:pPr algn="ctr"/>
+            <a:r>
+              <a:rPr lang="ru-RU" sz="1400" dirty="0" smtClean="0"/>
+              <a:t>При снятых чек-боксах</a:t>
+            </a:r>
+          </a:p>
+          <a:p>
+            <a:pPr algn="ctr"/>
+            <a:r>
+              <a:rPr lang="ru-RU" sz="1400" dirty="0" smtClean="0"/>
+              <a:t>кнопки не активны</a:t>
+            </a:r>
+            <a:endParaRPr lang="ru-RU" sz="1400" dirty="0"/>
+          </a:p>
+        </p:txBody>
+      </p:sp>
+      <p:cxnSp>
+        <p:nvCxnSpPr>
+          <p:cNvPr id="33" name="Прямая соединительная линия 32"/>
+          <p:cNvCxnSpPr>
+            <a:stCxn id="31" idx="1"/>
+          </p:cNvCxnSpPr>
+          <p:nvPr/>
+        </p:nvCxnSpPr>
+        <p:spPr>
+          <a:xfrm rot="10800000">
+            <a:off x="3214678" y="6143644"/>
+            <a:ext cx="142876" cy="118734"/>
+          </a:xfrm>
+          <a:prstGeom prst="line">
+            <a:avLst/>
+          </a:prstGeom>
+          <a:ln w="28575"/>
+        </p:spPr>
+        <p:style>
+          <a:lnRef idx="1">
+            <a:schemeClr val="accent1"/>
+          </a:lnRef>
+          <a:fillRef idx="0">
+            <a:schemeClr val="accent1"/>
+          </a:fillRef>
+          <a:effectRef idx="0">
+            <a:schemeClr val="accent1"/>
+          </a:effectRef>
+          <a:fontRef idx="minor">
+            <a:schemeClr val="tx1"/>
+          </a:fontRef>
+        </p:style>
+      </p:cxnSp>
+      <p:sp>
+        <p:nvSpPr>
+          <p:cNvPr id="35" name="Левая фигурная скобка 34"/>
+          <p:cNvSpPr/>
+          <p:nvPr/>
+        </p:nvSpPr>
+        <p:spPr>
+          <a:xfrm>
+            <a:off x="6000760" y="4714884"/>
+            <a:ext cx="214314" cy="785818"/>
+          </a:xfrm>
+          <a:prstGeom prst="leftBrace">
+            <a:avLst/>
+          </a:prstGeom>
+          <a:ln w="28575"/>
+        </p:spPr>
+        <p:style>
+          <a:lnRef idx="1">
+            <a:schemeClr val="accent1"/>
+          </a:lnRef>
+          <a:fillRef idx="0">
+            <a:schemeClr val="accent1"/>
+          </a:fillRef>
+          <a:effectRef idx="0">
+            <a:schemeClr val="accent1"/>
+          </a:effectRef>
+          <a:fontRef idx="minor">
+            <a:schemeClr val="tx1"/>
+          </a:fontRef>
+        </p:style>
+        <p:txBody>
+          <a:bodyPr rtlCol="0" anchor="ctr"/>
+          <a:lstStyle/>
+          <a:p>
+            <a:pPr algn="ctr"/>
+            <a:endParaRPr lang="ru-RU"/>
+          </a:p>
+        </p:txBody>
+      </p:sp>
+      <p:cxnSp>
+        <p:nvCxnSpPr>
+          <p:cNvPr id="37" name="Соединительная линия уступом 36"/>
+          <p:cNvCxnSpPr>
+            <a:stCxn id="35" idx="1"/>
+            <a:endCxn id="31" idx="3"/>
+          </p:cNvCxnSpPr>
+          <p:nvPr/>
+        </p:nvCxnSpPr>
+        <p:spPr>
+          <a:xfrm rot="10800000" flipV="1">
+            <a:off x="5786446" y="5107792"/>
+            <a:ext cx="214314" cy="1154585"/>
+          </a:xfrm>
+          <a:prstGeom prst="bentConnector3">
+            <a:avLst>
+              <a:gd name="adj1" fmla="val 50000"/>
+            </a:avLst>
+          </a:prstGeom>
+          <a:ln w="28575"/>
+        </p:spPr>
+        <p:style>
+          <a:lnRef idx="1">
+            <a:schemeClr val="accent1"/>
+          </a:lnRef>
+          <a:fillRef idx="0">
+            <a:schemeClr val="accent1"/>
+          </a:fillRef>
+          <a:effectRef idx="0">
+            <a:schemeClr val="accent1"/>
+          </a:effectRef>
+          <a:fontRef idx="minor">
+            <a:schemeClr val="tx1"/>
+          </a:fontRef>
+        </p:style>
+      </p:cxnSp>
+    </p:spTree>
+  </p:cSld>
+  <p:clrMapOvr>
+    <a:masterClrMapping/>
+  </p:clrMapOvr>
+  <p:timing>
+    <p:tnLst>
+      <p:par>
+        <p:cTn id="1" dur="indefinite" restart="never" nodeType="tmRoot"/>
+      </p:par>
+    </p:tnLst>
+  </p:timing>
+</p:sld>
+</file>
+
+<file path=ppt/slides/slide9.xml><?xml version="1.0" encoding="utf-8"?>
+<p:sld xmlns:a="http://schemas.openxmlformats.org/drawingml/2006/main" xmlns:r="http://schemas.openxmlformats.org/officeDocument/2006/relationships" xmlns:p="http://schemas.openxmlformats.org/presentationml/2006/main">
+  <p:cSld>
+    <p:spTree>
+      <p:nvGrpSpPr>
+        <p:cNvPr id="1" name=""/>
+        <p:cNvGrpSpPr/>
+        <p:nvPr/>
+      </p:nvGrpSpPr>
+      <p:grpSpPr>
+        <a:xfrm>
+          <a:off x="0" y="0"/>
+          <a:ext cx="0" cy="0"/>
+          <a:chOff x="0" y="0"/>
+          <a:chExt cx="0" cy="0"/>
+        </a:xfrm>
+      </p:grpSpPr>
+      <p:sp>
+        <p:nvSpPr>
+          <p:cNvPr id="2" name="Заголовок 1"/>
+          <p:cNvSpPr>
+            <a:spLocks noGrp="1"/>
+          </p:cNvSpPr>
+          <p:nvPr>
+            <p:ph type="ctrTitle"/>
+          </p:nvPr>
+        </p:nvSpPr>
+        <p:spPr>
+          <a:xfrm>
+            <a:off x="214282" y="214290"/>
+            <a:ext cx="3357586" cy="642942"/>
+          </a:xfrm>
+        </p:spPr>
+        <p:txBody>
+          <a:bodyPr>
+            <a:normAutofit/>
+          </a:bodyPr>
+          <a:lstStyle/>
+          <a:p>
+            <a:pPr algn="ctr"/>
+            <a:r>
+              <a:rPr lang="ru-RU" sz="3600" dirty="0" smtClean="0"/>
+              <a:t>С</a:t>
+            </a:r>
+            <a:r>
+              <a:rPr lang="ru-RU" sz="3600" cap="none" dirty="0" smtClean="0"/>
+              <a:t>читаем стаж</a:t>
+            </a:r>
+            <a:endParaRPr lang="ru-RU" sz="3600" dirty="0"/>
+          </a:p>
+        </p:txBody>
+      </p:sp>
+      <p:sp>
+        <p:nvSpPr>
+          <p:cNvPr id="4" name="TextBox 3"/>
+          <p:cNvSpPr txBox="1"/>
+          <p:nvPr/>
+        </p:nvSpPr>
+        <p:spPr>
+          <a:xfrm>
+            <a:off x="428564" y="785794"/>
+            <a:ext cx="8215402" cy="369332"/>
+          </a:xfrm>
+          <a:prstGeom prst="rect">
+            <a:avLst/>
+          </a:prstGeom>
+          <a:noFill/>
+        </p:spPr>
+        <p:txBody>
+          <a:bodyPr wrap="square" rtlCol="0">
+            <a:spAutoFit/>
+          </a:bodyPr>
+          <a:lstStyle/>
+          <a:p>
+            <a:r>
+              <a:rPr lang="ru-RU" dirty="0" smtClean="0"/>
+              <a:t>Пример </a:t>
+            </a:r>
+            <a:r>
+              <a:rPr lang="ru-RU" dirty="0" smtClean="0"/>
+              <a:t>возможного варианта установки даты расчета страхового стажа</a:t>
+            </a:r>
+            <a:r>
+              <a:rPr lang="ru-RU" dirty="0" smtClean="0"/>
+              <a:t>:</a:t>
+            </a:r>
+            <a:endParaRPr lang="ru-RU" dirty="0"/>
+          </a:p>
+        </p:txBody>
+      </p:sp>
+      <p:sp>
+        <p:nvSpPr>
+          <p:cNvPr id="61" name="TextBox 60"/>
+          <p:cNvSpPr txBox="1"/>
+          <p:nvPr/>
+        </p:nvSpPr>
+        <p:spPr>
+          <a:xfrm>
+            <a:off x="1000100" y="1428736"/>
+            <a:ext cx="2000264" cy="369332"/>
+          </a:xfrm>
+          <a:prstGeom prst="rect">
+            <a:avLst/>
+          </a:prstGeom>
+          <a:noFill/>
+        </p:spPr>
+        <p:txBody>
+          <a:bodyPr wrap="square" rtlCol="0">
+            <a:spAutoFit/>
+          </a:bodyPr>
+          <a:lstStyle/>
+          <a:p>
+            <a:pPr algn="ctr"/>
+            <a:r>
+              <a:rPr lang="en-US" dirty="0" smtClean="0"/>
+              <a:t>Activity </a:t>
+            </a:r>
+            <a:r>
+              <a:rPr lang="ru-RU" dirty="0" smtClean="0"/>
+              <a:t>3</a:t>
+            </a:r>
+            <a:endParaRPr lang="ru-RU" dirty="0"/>
+          </a:p>
+        </p:txBody>
+      </p:sp>
+      <p:pic>
+        <p:nvPicPr>
+          <p:cNvPr id="3" name="Picture 2" descr="C:\AndroidStudioProjects\ПРОЕКТ\Activity_03.jpg"/>
+          <p:cNvPicPr>
+            <a:picLocks noChangeAspect="1" noChangeArrowheads="1"/>
+          </p:cNvPicPr>
+          <p:nvPr/>
+        </p:nvPicPr>
+        <p:blipFill>
+          <a:blip r:embed="rId2"/>
+          <a:srcRect/>
+          <a:stretch>
+            <a:fillRect/>
+          </a:stretch>
+        </p:blipFill>
+        <p:spPr bwMode="auto">
+          <a:xfrm>
+            <a:off x="714348" y="1857364"/>
+            <a:ext cx="2409825" cy="4029075"/>
+          </a:xfrm>
+          <a:prstGeom prst="rect">
+            <a:avLst/>
+          </a:prstGeom>
+          <a:noFill/>
+        </p:spPr>
+      </p:pic>
+      <p:pic>
+        <p:nvPicPr>
+          <p:cNvPr id="2050" name="Picture 2"/>
+          <p:cNvPicPr>
+            <a:picLocks noChangeAspect="1" noChangeArrowheads="1"/>
+          </p:cNvPicPr>
+          <p:nvPr/>
+        </p:nvPicPr>
+        <p:blipFill>
+          <a:blip r:embed="rId3"/>
+          <a:srcRect/>
+          <a:stretch>
+            <a:fillRect/>
+          </a:stretch>
+        </p:blipFill>
+        <p:spPr bwMode="auto">
+          <a:xfrm>
+            <a:off x="3786182" y="1214422"/>
+            <a:ext cx="2752725" cy="5457825"/>
+          </a:xfrm>
+          <a:prstGeom prst="rect">
+            <a:avLst/>
+          </a:prstGeom>
+          <a:noFill/>
+          <a:ln w="9525">
+            <a:noFill/>
+            <a:miter lim="800000"/>
+            <a:headEnd/>
+            <a:tailEnd/>
+          </a:ln>
+          <a:effectLst/>
+        </p:spPr>
+      </p:pic>
+      <p:cxnSp>
+        <p:nvCxnSpPr>
+          <p:cNvPr id="18" name="Соединительная линия уступом 17"/>
+          <p:cNvCxnSpPr/>
+          <p:nvPr/>
+        </p:nvCxnSpPr>
+        <p:spPr>
+          <a:xfrm flipV="1">
+            <a:off x="2357422" y="3071810"/>
+            <a:ext cx="2214578" cy="357190"/>
+          </a:xfrm>
+          <a:prstGeom prst="bentConnector3">
+            <a:avLst>
+              <a:gd name="adj1" fmla="val 50000"/>
+            </a:avLst>
+          </a:prstGeom>
+          <a:ln w="28575">
+            <a:tailEnd type="arrow"/>
+          </a:ln>
+        </p:spPr>
+        <p:style>
+          <a:lnRef idx="1">
+            <a:schemeClr val="accent1"/>
+          </a:lnRef>
+          <a:fillRef idx="0">
+            <a:schemeClr val="accent1"/>
+          </a:fillRef>
+          <a:effectRef idx="0">
+            <a:schemeClr val="accent1"/>
+          </a:effectRef>
+          <a:fontRef idx="minor">
+            <a:schemeClr val="tx1"/>
+          </a:fontRef>
+        </p:style>
+      </p:cxnSp>
+      <p:sp>
+        <p:nvSpPr>
+          <p:cNvPr id="20" name="Прямоугольник 19"/>
+          <p:cNvSpPr/>
+          <p:nvPr/>
+        </p:nvSpPr>
+        <p:spPr>
+          <a:xfrm>
+            <a:off x="7215206" y="2857496"/>
+            <a:ext cx="1214446" cy="1000132"/>
+          </a:xfrm>
+          <a:prstGeom prst="rect">
+            <a:avLst/>
+          </a:prstGeom>
+        </p:spPr>
+        <p:style>
+          <a:lnRef idx="2">
+            <a:schemeClr val="accent1">
+              <a:shade val="50000"/>
+            </a:schemeClr>
+          </a:lnRef>
+          <a:fillRef idx="1">
+            <a:schemeClr val="accent1"/>
+          </a:fillRef>
+          <a:effectRef idx="0">
+            <a:schemeClr val="accent1"/>
+          </a:effectRef>
+          <a:fontRef idx="minor">
+            <a:schemeClr val="lt1"/>
+          </a:fontRef>
+        </p:style>
+        <p:txBody>
+          <a:bodyPr rtlCol="0" anchor="ctr"/>
+          <a:lstStyle/>
+          <a:p>
+            <a:pPr algn="ctr"/>
+            <a:r>
+              <a:rPr lang="ru-RU" sz="1400" dirty="0" smtClean="0"/>
+              <a:t>ввести табельный номер</a:t>
+            </a:r>
+            <a:endParaRPr lang="ru-RU" sz="1400" dirty="0"/>
+          </a:p>
+        </p:txBody>
+      </p:sp>
+      <p:sp>
+        <p:nvSpPr>
+          <p:cNvPr id="21" name="Стрелка вправо 20"/>
+          <p:cNvSpPr/>
+          <p:nvPr/>
+        </p:nvSpPr>
+        <p:spPr>
+          <a:xfrm>
+            <a:off x="8429652" y="3000372"/>
+            <a:ext cx="214314" cy="785818"/>
+          </a:xfrm>
+          <a:prstGeom prst="rightArrow">
+            <a:avLst/>
+          </a:prstGeom>
+        </p:spPr>
+        <p:style>
+          <a:lnRef idx="2">
+            <a:schemeClr val="accent1">
+              <a:shade val="50000"/>
+            </a:schemeClr>
+          </a:lnRef>
+          <a:fillRef idx="1">
+            <a:schemeClr val="accent1"/>
+          </a:fillRef>
+          <a:effectRef idx="0">
+            <a:schemeClr val="accent1"/>
+          </a:effectRef>
+          <a:fontRef idx="minor">
+            <a:schemeClr val="lt1"/>
+          </a:fontRef>
+        </p:style>
+        <p:txBody>
+          <a:bodyPr rtlCol="0" anchor="ctr"/>
+          <a:lstStyle/>
+          <a:p>
+            <a:pPr algn="ctr"/>
+            <a:endParaRPr lang="ru-RU"/>
+          </a:p>
+        </p:txBody>
+      </p:sp>
+      <p:cxnSp>
+        <p:nvCxnSpPr>
+          <p:cNvPr id="24" name="Прямая со стрелкой 23"/>
+          <p:cNvCxnSpPr>
+            <a:endCxn id="20" idx="1"/>
+          </p:cNvCxnSpPr>
+          <p:nvPr/>
+        </p:nvCxnSpPr>
+        <p:spPr>
+          <a:xfrm>
+            <a:off x="5643570" y="3357562"/>
+            <a:ext cx="1571636" cy="1588"/>
+          </a:xfrm>
+          <a:prstGeom prst="straightConnector1">
+            <a:avLst/>
+          </a:prstGeom>
+          <a:ln w="28575">
+            <a:tailEnd type="arrow"/>
+          </a:ln>
+        </p:spPr>
+        <p:style>
+          <a:lnRef idx="1">
+            <a:schemeClr val="accent1"/>
+          </a:lnRef>
+          <a:fillRef idx="0">
+            <a:schemeClr val="accent1"/>
+          </a:fillRef>
+          <a:effectRef idx="0">
+            <a:schemeClr val="accent1"/>
+          </a:effectRef>
+          <a:fontRef idx="minor">
+            <a:schemeClr val="tx1"/>
+          </a:fontRef>
+        </p:style>
+      </p:cxnSp>
+      <p:sp>
+        <p:nvSpPr>
+          <p:cNvPr id="25" name="TextBox 24"/>
+          <p:cNvSpPr txBox="1"/>
+          <p:nvPr/>
+        </p:nvSpPr>
+        <p:spPr>
+          <a:xfrm>
+            <a:off x="6858016" y="4214818"/>
+            <a:ext cx="2000264" cy="1600438"/>
+          </a:xfrm>
+          <a:prstGeom prst="rect">
+            <a:avLst/>
+          </a:prstGeom>
+          <a:noFill/>
+        </p:spPr>
+        <p:txBody>
+          <a:bodyPr wrap="square" rtlCol="0">
+            <a:spAutoFit/>
+          </a:bodyPr>
+          <a:lstStyle/>
+          <a:p>
+            <a:r>
+              <a:rPr lang="ru-RU" sz="1400" dirty="0" smtClean="0"/>
+              <a:t>При установке чек-бокса «дата сегодня» экран установки даты не появляется.</a:t>
+            </a:r>
+          </a:p>
+          <a:p>
+            <a:r>
+              <a:rPr lang="ru-RU" sz="1400" dirty="0" smtClean="0"/>
+              <a:t>Дата расчета устанавливается автоматически.</a:t>
+            </a:r>
+            <a:endParaRPr lang="ru-RU" sz="1400" dirty="0"/>
+          </a:p>
+        </p:txBody>
+      </p:sp>
+      <p:cxnSp>
+        <p:nvCxnSpPr>
+          <p:cNvPr id="32" name="Соединительная линия уступом 31"/>
+          <p:cNvCxnSpPr/>
+          <p:nvPr/>
+        </p:nvCxnSpPr>
+        <p:spPr>
+          <a:xfrm>
+            <a:off x="2143108" y="3857628"/>
+            <a:ext cx="3143272" cy="2857520"/>
+          </a:xfrm>
+          <a:prstGeom prst="bentConnector3">
+            <a:avLst>
+              <a:gd name="adj1" fmla="val 42066"/>
+            </a:avLst>
+          </a:prstGeom>
+          <a:ln w="28575"/>
+        </p:spPr>
+        <p:style>
+          <a:lnRef idx="1">
+            <a:schemeClr val="accent1"/>
+          </a:lnRef>
+          <a:fillRef idx="0">
+            <a:schemeClr val="accent1"/>
+          </a:fillRef>
+          <a:effectRef idx="0">
+            <a:schemeClr val="accent1"/>
+          </a:effectRef>
+          <a:fontRef idx="minor">
+            <a:schemeClr val="tx1"/>
+          </a:fontRef>
+        </p:style>
+      </p:cxnSp>
+      <p:cxnSp>
+        <p:nvCxnSpPr>
+          <p:cNvPr id="40" name="Shape 39"/>
+          <p:cNvCxnSpPr>
+            <a:endCxn id="25" idx="2"/>
+          </p:cNvCxnSpPr>
+          <p:nvPr/>
+        </p:nvCxnSpPr>
+        <p:spPr>
+          <a:xfrm flipV="1">
+            <a:off x="5286380" y="5815256"/>
+            <a:ext cx="2571768" cy="871066"/>
+          </a:xfrm>
+          <a:prstGeom prst="bentConnector2">
+            <a:avLst/>
+          </a:prstGeom>
+          <a:ln w="28575">
+            <a:tailEnd type="arrow"/>
+          </a:ln>
+        </p:spPr>
+        <p:style>
+          <a:lnRef idx="1">
+            <a:schemeClr val="accent1"/>
+          </a:lnRef>
+          <a:fillRef idx="0">
+            <a:schemeClr val="accent1"/>
+          </a:fillRef>
+          <a:effectRef idx="0">
+            <a:schemeClr val="accent1"/>
+          </a:effectRef>
+          <a:fontRef idx="minor">
+            <a:schemeClr val="tx1"/>
+          </a:fontRef>
+        </p:style>
+      </p:cxnSp>
+      <p:cxnSp>
+        <p:nvCxnSpPr>
+          <p:cNvPr id="43" name="Прямая со стрелкой 42"/>
+          <p:cNvCxnSpPr>
+            <a:stCxn id="25" idx="0"/>
+          </p:cNvCxnSpPr>
+          <p:nvPr/>
+        </p:nvCxnSpPr>
+        <p:spPr>
+          <a:xfrm rot="5400000" flipH="1" flipV="1">
+            <a:off x="7679553" y="4036223"/>
+            <a:ext cx="357190" cy="1588"/>
+          </a:xfrm>
+          <a:prstGeom prst="straightConnector1">
+            <a:avLst/>
+          </a:prstGeom>
+          <a:ln w="28575">
+            <a:tailEnd type="arrow"/>
+          </a:ln>
+        </p:spPr>
+        <p:style>
+          <a:lnRef idx="1">
+            <a:schemeClr val="accent1"/>
+          </a:lnRef>
+          <a:fillRef idx="0">
+            <a:schemeClr val="accent1"/>
+          </a:fillRef>
+          <a:effectRef idx="0">
+            <a:schemeClr val="accent1"/>
+          </a:effectRef>
+          <a:fontRef idx="minor">
+            <a:schemeClr val="tx1"/>
+          </a:fontRef>
+        </p:style>
+      </p:cxnSp>
+      <p:sp>
+        <p:nvSpPr>
+          <p:cNvPr id="44" name="TextBox 43"/>
+          <p:cNvSpPr txBox="1"/>
+          <p:nvPr/>
+        </p:nvSpPr>
+        <p:spPr>
+          <a:xfrm>
+            <a:off x="6572264" y="1500174"/>
+            <a:ext cx="2000264" cy="369332"/>
+          </a:xfrm>
+          <a:prstGeom prst="rect">
+            <a:avLst/>
+          </a:prstGeom>
+          <a:noFill/>
+        </p:spPr>
+        <p:txBody>
+          <a:bodyPr wrap="square" rtlCol="0">
+            <a:spAutoFit/>
+          </a:bodyPr>
+          <a:lstStyle/>
+          <a:p>
+            <a:pPr algn="ctr"/>
+            <a:r>
+              <a:rPr lang="en-US" dirty="0" smtClean="0"/>
+              <a:t>Activity </a:t>
+            </a:r>
+            <a:r>
+              <a:rPr lang="ru-RU" dirty="0" smtClean="0"/>
+              <a:t>3-1</a:t>
+            </a:r>
+            <a:endParaRPr lang="ru-RU" dirty="0"/>
+          </a:p>
+        </p:txBody>
+      </p:sp>
+      <p:pic>
+        <p:nvPicPr>
+          <p:cNvPr id="2051" name="Picture 3"/>
+          <p:cNvPicPr>
+            <a:picLocks noChangeAspect="1" noChangeArrowheads="1"/>
+          </p:cNvPicPr>
+          <p:nvPr/>
+        </p:nvPicPr>
+        <p:blipFill>
+          <a:blip r:embed="rId4"/>
+          <a:srcRect/>
+          <a:stretch>
+            <a:fillRect/>
+          </a:stretch>
+        </p:blipFill>
+        <p:spPr bwMode="auto">
+          <a:xfrm>
+            <a:off x="4572000" y="3214686"/>
+            <a:ext cx="1162050" cy="295275"/>
+          </a:xfrm>
+          <a:prstGeom prst="rect">
+            <a:avLst/>
+          </a:prstGeom>
+          <a:noFill/>
+          <a:ln w="9525">
+            <a:noFill/>
+            <a:miter lim="800000"/>
+            <a:headEnd/>
+            <a:tailEnd/>
+          </a:ln>
+          <a:effectLst/>
+        </p:spPr>
+      </p:pic>
+      <p:pic>
+        <p:nvPicPr>
+          <p:cNvPr id="2052" name="Picture 4"/>
+          <p:cNvPicPr>
+            <a:picLocks noChangeAspect="1" noChangeArrowheads="1"/>
+          </p:cNvPicPr>
+          <p:nvPr/>
+        </p:nvPicPr>
+        <p:blipFill>
+          <a:blip r:embed="rId5"/>
+          <a:srcRect/>
+          <a:stretch>
+            <a:fillRect/>
+          </a:stretch>
+        </p:blipFill>
+        <p:spPr bwMode="auto">
+          <a:xfrm>
+            <a:off x="4000496" y="5357826"/>
+            <a:ext cx="1162050" cy="276225"/>
+          </a:xfrm>
+          <a:prstGeom prst="rect">
+            <a:avLst/>
+          </a:prstGeom>
+          <a:noFill/>
+          <a:ln w="9525">
+            <a:noFill/>
+            <a:miter lim="800000"/>
+            <a:headEnd/>
+            <a:tailEnd/>
+          </a:ln>
+          <a:effectLst/>
+        </p:spPr>
+      </p:pic>
+      <p:cxnSp>
+        <p:nvCxnSpPr>
+          <p:cNvPr id="45" name="Прямая со стрелкой 44"/>
+          <p:cNvCxnSpPr>
+            <a:stCxn id="2052" idx="1"/>
+          </p:cNvCxnSpPr>
+          <p:nvPr/>
+        </p:nvCxnSpPr>
+        <p:spPr>
+          <a:xfrm rot="10800000" flipV="1">
+            <a:off x="3071802" y="5495938"/>
+            <a:ext cx="928694" cy="4763"/>
+          </a:xfrm>
+          <a:prstGeom prst="straightConnector1">
+            <a:avLst/>
+          </a:prstGeom>
+          <a:ln w="28575">
+            <a:prstDash val="dash"/>
+            <a:tailEnd type="arrow"/>
+          </a:ln>
+        </p:spPr>
+        <p:style>
+          <a:lnRef idx="1">
+            <a:schemeClr val="accent1"/>
+          </a:lnRef>
+          <a:fillRef idx="0">
+            <a:schemeClr val="accent1"/>
+          </a:fillRef>
+          <a:effectRef idx="0">
+            <a:schemeClr val="accent1"/>
+          </a:effectRef>
+          <a:fontRef idx="minor">
+            <a:schemeClr val="tx1"/>
+          </a:fontRef>
+        </p:style>
+      </p:cxnSp>
     </p:spTree>
   </p:cSld>
   <p:clrMapOvr>
